--- a/Presentation/AbschlusspräsentationBeHop.pptx
+++ b/Presentation/AbschlusspräsentationBeHop.pptx
@@ -109,6 +109,11 @@
       </a:defRPr>
     </a:lvl9pPr>
   </p:defaultTextStyle>
+  <p:extLst>
+    <p:ext uri="{EFAFB233-063F-42B5-8137-9DF3F51BA10A}">
+      <p15:sldGuideLst xmlns:p15="http://schemas.microsoft.com/office/powerpoint/2012/main"/>
+    </p:ext>
+  </p:extLst>
 </p:presentation>
 </file>
 
@@ -835,7 +840,7 @@
             <a:fld id="{B61BEF0D-F0BB-DE4B-95CE-6DB70DBA9567}" type="datetimeFigureOut">
               <a:rPr lang="en-US" smtClean="0"/>
               <a:pPr/>
-              <a:t>2/26/2020</a:t>
+              <a:t>2/27/2020</a:t>
             </a:fld>
             <a:endParaRPr lang="en-US" dirty="0"/>
           </a:p>
@@ -1088,7 +1093,7 @@
             <a:fld id="{B61BEF0D-F0BB-DE4B-95CE-6DB70DBA9567}" type="datetimeFigureOut">
               <a:rPr lang="en-US" smtClean="0"/>
               <a:pPr/>
-              <a:t>2/26/2020</a:t>
+              <a:t>2/27/2020</a:t>
             </a:fld>
             <a:endParaRPr lang="en-US" dirty="0"/>
           </a:p>
@@ -1404,7 +1409,7 @@
             <a:fld id="{B61BEF0D-F0BB-DE4B-95CE-6DB70DBA9567}" type="datetimeFigureOut">
               <a:rPr lang="en-US" smtClean="0"/>
               <a:pPr/>
-              <a:t>2/26/2020</a:t>
+              <a:t>2/27/2020</a:t>
             </a:fld>
             <a:endParaRPr lang="en-US" dirty="0"/>
           </a:p>
@@ -1747,7 +1752,7 @@
             <a:fld id="{B61BEF0D-F0BB-DE4B-95CE-6DB70DBA9567}" type="datetimeFigureOut">
               <a:rPr lang="en-US" smtClean="0"/>
               <a:pPr/>
-              <a:t>2/26/2020</a:t>
+              <a:t>2/27/2020</a:t>
             </a:fld>
             <a:endParaRPr lang="en-US" dirty="0"/>
           </a:p>
@@ -2063,7 +2068,7 @@
             <a:fld id="{B61BEF0D-F0BB-DE4B-95CE-6DB70DBA9567}" type="datetimeFigureOut">
               <a:rPr lang="en-US" smtClean="0"/>
               <a:pPr/>
-              <a:t>2/26/2020</a:t>
+              <a:t>2/27/2020</a:t>
             </a:fld>
             <a:endParaRPr lang="en-US" dirty="0"/>
           </a:p>
@@ -2458,7 +2463,7 @@
             <a:fld id="{B61BEF0D-F0BB-DE4B-95CE-6DB70DBA9567}" type="datetimeFigureOut">
               <a:rPr lang="en-US" smtClean="0"/>
               <a:pPr/>
-              <a:t>2/26/2020</a:t>
+              <a:t>2/27/2020</a:t>
             </a:fld>
             <a:endParaRPr lang="en-US" dirty="0"/>
           </a:p>
@@ -2629,7 +2634,7 @@
           <a:p>
             <a:fld id="{55C6B4A9-1611-4792-9094-5F34BCA07E0B}" type="datetimeFigureOut">
               <a:rPr lang="en-US" smtClean="0"/>
-              <a:t>2/26/2020</a:t>
+              <a:t>2/27/2020</a:t>
             </a:fld>
             <a:endParaRPr lang="en-US" dirty="0"/>
           </a:p>
@@ -2810,7 +2815,7 @@
             <a:fld id="{B61BEF0D-F0BB-DE4B-95CE-6DB70DBA9567}" type="datetimeFigureOut">
               <a:rPr lang="en-US" smtClean="0"/>
               <a:pPr/>
-              <a:t>2/26/2020</a:t>
+              <a:t>2/27/2020</a:t>
             </a:fld>
             <a:endParaRPr lang="en-US" dirty="0"/>
           </a:p>
@@ -2988,7 +2993,7 @@
             <a:fld id="{B61BEF0D-F0BB-DE4B-95CE-6DB70DBA9567}" type="datetimeFigureOut">
               <a:rPr lang="en-US" smtClean="0"/>
               <a:pPr/>
-              <a:t>2/26/2020</a:t>
+              <a:t>2/27/2020</a:t>
             </a:fld>
             <a:endParaRPr lang="en-US" dirty="0"/>
           </a:p>
@@ -3237,7 +3242,7 @@
             <a:fld id="{B61BEF0D-F0BB-DE4B-95CE-6DB70DBA9567}" type="datetimeFigureOut">
               <a:rPr lang="en-US" smtClean="0"/>
               <a:pPr/>
-              <a:t>2/26/2020</a:t>
+              <a:t>2/27/2020</a:t>
             </a:fld>
             <a:endParaRPr lang="en-US" dirty="0"/>
           </a:p>
@@ -3470,7 +3475,7 @@
           <a:p>
             <a:fld id="{EB712588-04B1-427B-82EE-E8DB90309F08}" type="datetimeFigureOut">
               <a:rPr lang="en-US" smtClean="0"/>
-              <a:t>2/26/2020</a:t>
+              <a:t>2/27/2020</a:t>
             </a:fld>
             <a:endParaRPr lang="en-US" dirty="0"/>
           </a:p>
@@ -3845,7 +3850,7 @@
             <a:fld id="{B61BEF0D-F0BB-DE4B-95CE-6DB70DBA9567}" type="datetimeFigureOut">
               <a:rPr lang="en-US" smtClean="0"/>
               <a:pPr/>
-              <a:t>2/26/2020</a:t>
+              <a:t>2/27/2020</a:t>
             </a:fld>
             <a:endParaRPr lang="en-US" dirty="0"/>
           </a:p>
@@ -3970,7 +3975,7 @@
             <a:fld id="{B61BEF0D-F0BB-DE4B-95CE-6DB70DBA9567}" type="datetimeFigureOut">
               <a:rPr lang="en-US" smtClean="0"/>
               <a:pPr/>
-              <a:t>2/26/2020</a:t>
+              <a:t>2/27/2020</a:t>
             </a:fld>
             <a:endParaRPr lang="en-US" dirty="0"/>
           </a:p>
@@ -4067,7 +4072,7 @@
             <a:fld id="{B61BEF0D-F0BB-DE4B-95CE-6DB70DBA9567}" type="datetimeFigureOut">
               <a:rPr lang="en-US" smtClean="0"/>
               <a:pPr/>
-              <a:t>2/26/2020</a:t>
+              <a:t>2/27/2020</a:t>
             </a:fld>
             <a:endParaRPr lang="en-US" dirty="0"/>
           </a:p>
@@ -4323,7 +4328,7 @@
           <a:p>
             <a:fld id="{42A54C80-263E-416B-A8E0-580EDEADCBDC}" type="datetimeFigureOut">
               <a:rPr lang="en-US" smtClean="0"/>
-              <a:t>2/26/2020</a:t>
+              <a:t>2/27/2020</a:t>
             </a:fld>
             <a:endParaRPr lang="en-US" dirty="0"/>
           </a:p>
@@ -4587,7 +4592,7 @@
             <a:fld id="{B61BEF0D-F0BB-DE4B-95CE-6DB70DBA9567}" type="datetimeFigureOut">
               <a:rPr lang="en-US" smtClean="0"/>
               <a:pPr/>
-              <a:t>2/26/2020</a:t>
+              <a:t>2/27/2020</a:t>
             </a:fld>
             <a:endParaRPr lang="en-US" dirty="0"/>
           </a:p>
@@ -5332,7 +5337,7 @@
             <a:fld id="{B61BEF0D-F0BB-DE4B-95CE-6DB70DBA9567}" type="datetimeFigureOut">
               <a:rPr lang="en-US" smtClean="0"/>
               <a:pPr/>
-              <a:t>2/26/2020</a:t>
+              <a:t>2/27/2020</a:t>
             </a:fld>
             <a:endParaRPr lang="en-US" dirty="0"/>
           </a:p>
@@ -6167,6 +6172,23 @@
           <a:lstStyle/>
           <a:p>
             <a:r>
+              <a:rPr lang="de-DE" dirty="0" err="1"/>
+              <a:t>Github</a:t>
+            </a:r>
+            <a:r>
+              <a:rPr lang="de-DE" dirty="0"/>
+              <a:t> Repository: </a:t>
+            </a:r>
+            <a:r>
+              <a:rPr lang="de-DE" dirty="0">
+                <a:hlinkClick r:id="rId2"/>
+              </a:rPr>
+              <a:t>https://github.com/Maffotter/BeHop</a:t>
+            </a:r>
+            <a:endParaRPr lang="de-DE" dirty="0"/>
+          </a:p>
+          <a:p>
+            <a:r>
               <a:rPr lang="de-DE" dirty="0"/>
               <a:t>Projekt-Thema: </a:t>
             </a:r>
@@ -6284,6 +6306,28 @@
             <a:r>
               <a:rPr lang="de-DE" dirty="0"/>
               <a:t>Sprache === Englisch</a:t>
+            </a:r>
+          </a:p>
+          <a:p>
+            <a:r>
+              <a:rPr lang="de-DE" dirty="0"/>
+              <a:t>Keine Dummy-Texte (</a:t>
+            </a:r>
+            <a:r>
+              <a:rPr lang="de-DE" dirty="0" err="1"/>
+              <a:t>Lorem</a:t>
+            </a:r>
+            <a:r>
+              <a:rPr lang="de-DE" dirty="0"/>
+              <a:t> </a:t>
+            </a:r>
+            <a:r>
+              <a:rPr lang="de-DE" dirty="0" err="1"/>
+              <a:t>IsNich</a:t>
+            </a:r>
+            <a:r>
+              <a:rPr lang="de-DE" dirty="0"/>
+              <a:t>)</a:t>
             </a:r>
           </a:p>
           <a:p>
@@ -6568,10 +6612,10 @@
         <a:srgbClr val="8E52FF"/>
       </a:accent5>
       <a:accent6>
-        <a:srgbClr val="5271FF"/>
+        <a:srgbClr val="4169E1"/>
       </a:accent6>
       <a:hlink>
-        <a:srgbClr val="00B0F0"/>
+        <a:srgbClr val="4169E1"/>
       </a:hlink>
       <a:folHlink>
         <a:srgbClr val="7030A0"/>
